--- a/Real Estate Portfolio Tool.pptx
+++ b/Real Estate Portfolio Tool.pptx
@@ -1,6 +1,6 @@
 
 <file path=ppt/presentation.xml><?xml version="1.0" encoding="utf-8"?>
-<p:presentation xmlns:a="http://schemas.openxmlformats.org/drawingml/2006/main" xmlns:r="http://schemas.openxmlformats.org/officeDocument/2006/relationships" xmlns:p="http://schemas.openxmlformats.org/presentationml/2006/main" removePersonalInfoOnSave="1" saveSubsetFonts="1" autoCompressPictures="0">
+<p:presentation xmlns:a="http://schemas.openxmlformats.org/drawingml/2006/main" xmlns:r="http://schemas.openxmlformats.org/officeDocument/2006/relationships" xmlns:p="http://schemas.openxmlformats.org/presentationml/2006/main" firstSlideNum="0" removePersonalInfoOnSave="1" saveSubsetFonts="1" autoCompressPictures="0">
   <p:sldMasterIdLst>
     <p:sldMasterId id="2147483686" r:id="rId1"/>
     <p:sldMasterId id="2147483706" r:id="rId2"/>
@@ -3751,7 +3751,7 @@
           <a:p>
             <a:fld id="{E54A69E4-EFBB-4687-8058-A94EE1B5781B}" type="datetimeFigureOut">
               <a:rPr lang="en-US" smtClean="0"/>
-              <a:t>4/14/22</a:t>
+              <a:t>4/15/22</a:t>
             </a:fld>
             <a:endParaRPr lang="en-US" dirty="0"/>
           </a:p>
@@ -3928,7 +3928,7 @@
           <a:p>
             <a:fld id="{CDE546B2-EB9C-4E9C-8793-C25F32D58B9A}" type="datetimeFigureOut">
               <a:rPr lang="en-US" smtClean="0"/>
-              <a:t>4/14/22</a:t>
+              <a:t>4/15/22</a:t>
             </a:fld>
             <a:endParaRPr lang="en-US" dirty="0"/>
           </a:p>
@@ -4260,7 +4260,7 @@
           <a:p>
             <a:fld id="{6B83F1C3-4FA3-4491-97F4-43CA9C8BDFDF}" type="slidenum">
               <a:rPr lang="en-US" smtClean="0"/>
-              <a:t>1</a:t>
+              <a:t>0</a:t>
             </a:fld>
             <a:endParaRPr lang="en-US" dirty="0"/>
           </a:p>
@@ -8241,10 +8241,6 @@
             </a:lvl1pPr>
           </a:lstStyle>
           <a:p>
-            <a:fld id="{8F310904-DE8F-4B8E-99C6-5AFA03672FFA}" type="datetimeFigureOut">
-              <a:rPr lang="en-US" smtClean="0"/>
-              <a:t>4/14/22</a:t>
-            </a:fld>
             <a:endParaRPr lang="en-US" dirty="0"/>
           </a:p>
         </p:txBody>
@@ -8354,6 +8350,7 @@
     <p:sldLayoutId id="2147483702" r:id="rId4"/>
     <p:sldLayoutId id="2147483662" r:id="rId5"/>
   </p:sldLayoutIdLst>
+  <p:hf hdr="0" ftr="0" dt="0"/>
   <p:txStyles>
     <p:titleStyle>
       <a:lvl1pPr algn="l" defTabSz="914400" rtl="0" eaLnBrk="1" latinLnBrk="0" hangingPunct="1">
@@ -8772,10 +8769,6 @@
             </a:lvl1pPr>
           </a:lstStyle>
           <a:p>
-            <a:fld id="{8F310904-DE8F-4B8E-99C6-5AFA03672FFA}" type="datetimeFigureOut">
-              <a:rPr lang="en-US" smtClean="0"/>
-              <a:t>4/14/22</a:t>
-            </a:fld>
             <a:endParaRPr lang="en-US" dirty="0"/>
           </a:p>
         </p:txBody>
@@ -8882,6 +8875,7 @@
     <p:sldLayoutId id="2147483729" r:id="rId1"/>
     <p:sldLayoutId id="2147483711" r:id="rId2"/>
   </p:sldLayoutIdLst>
+  <p:hf hdr="0" ftr="0" dt="0"/>
   <p:txStyles>
     <p:titleStyle>
       <a:lvl1pPr algn="l" defTabSz="914400" rtl="0" eaLnBrk="1" latinLnBrk="0" hangingPunct="1">
@@ -9300,10 +9294,6 @@
             </a:lvl1pPr>
           </a:lstStyle>
           <a:p>
-            <a:fld id="{8F310904-DE8F-4B8E-99C6-5AFA03672FFA}" type="datetimeFigureOut">
-              <a:rPr lang="en-US" smtClean="0"/>
-              <a:t>4/14/22</a:t>
-            </a:fld>
             <a:endParaRPr lang="en-US" dirty="0"/>
           </a:p>
         </p:txBody>
@@ -9410,6 +9400,7 @@
     <p:sldLayoutId id="2147483730" r:id="rId1"/>
     <p:sldLayoutId id="2147483723" r:id="rId2"/>
   </p:sldLayoutIdLst>
+  <p:hf hdr="0" ftr="0" dt="0"/>
   <p:txStyles>
     <p:titleStyle>
       <a:lvl1pPr algn="l" defTabSz="914400" rtl="0" eaLnBrk="1" latinLnBrk="0" hangingPunct="1">
@@ -9828,10 +9819,6 @@
             </a:lvl1pPr>
           </a:lstStyle>
           <a:p>
-            <a:fld id="{8F310904-DE8F-4B8E-99C6-5AFA03672FFA}" type="datetimeFigureOut">
-              <a:rPr lang="en-US" smtClean="0"/>
-              <a:t>4/14/22</a:t>
-            </a:fld>
             <a:endParaRPr lang="en-US" dirty="0"/>
           </a:p>
         </p:txBody>
@@ -9938,6 +9925,7 @@
     <p:sldLayoutId id="2147483731" r:id="rId1"/>
     <p:sldLayoutId id="2147483704" r:id="rId2"/>
   </p:sldLayoutIdLst>
+  <p:hf hdr="0" ftr="0" dt="0"/>
   <p:txStyles>
     <p:titleStyle>
       <a:lvl1pPr algn="l" defTabSz="914400" rtl="0" eaLnBrk="1" latinLnBrk="0" hangingPunct="1">
@@ -10635,14 +10623,14 @@
           <p:nvPr>
             <p:extLst>
               <p:ext uri="{D42A27DB-BD31-4B8C-83A1-F6EECF244321}">
-                <p14:modId xmlns:p14="http://schemas.microsoft.com/office/powerpoint/2010/main" val="2927618579"/>
+                <p14:modId xmlns:p14="http://schemas.microsoft.com/office/powerpoint/2010/main" val="1206365485"/>
               </p:ext>
             </p:extLst>
           </p:nvPr>
         </p:nvGraphicFramePr>
         <p:xfrm>
-          <a:off x="231227" y="1471877"/>
-          <a:ext cx="11750566" cy="5054653"/>
+          <a:off x="220717" y="1418894"/>
+          <a:ext cx="11750566" cy="5090160"/>
         </p:xfrm>
         <a:graphic>
           <a:graphicData uri="http://schemas.openxmlformats.org/drawingml/2006/table">
@@ -10651,14 +10639,14 @@
                 <a:tableStyleId>{5C22544A-7EE6-4342-B048-85BDC9FD1C3A}</a:tableStyleId>
               </a:tblPr>
               <a:tblGrid>
-                <a:gridCol w="5575213">
+                <a:gridCol w="5739019">
                   <a:extLst>
                     <a:ext uri="{9D8B030D-6E8A-4147-A177-3AD203B41FA5}">
                       <a16:colId xmlns:a16="http://schemas.microsoft.com/office/drawing/2014/main" val="3124817015"/>
                     </a:ext>
                   </a:extLst>
                 </a:gridCol>
-                <a:gridCol w="6175353">
+                <a:gridCol w="6011547">
                   <a:extLst>
                     <a:ext uri="{9D8B030D-6E8A-4147-A177-3AD203B41FA5}">
                       <a16:colId xmlns:a16="http://schemas.microsoft.com/office/drawing/2014/main" val="372490063"/>
@@ -10666,7 +10654,7 @@
                   </a:extLst>
                 </a:gridCol>
               </a:tblGrid>
-              <a:tr h="640080">
+              <a:tr h="484632">
                 <a:tc gridSpan="2">
                   <a:txBody>
                     <a:bodyPr/>
@@ -10733,13 +10721,18 @@
                   </a:ext>
                 </a:extLst>
               </a:tr>
-              <a:tr h="1397053">
+              <a:tr h="914400">
                 <a:tc gridSpan="2">
                   <a:txBody>
                     <a:bodyPr/>
                     <a:lstStyle/>
                     <a:p>
-                      <a:endParaRPr lang="en-US" dirty="0"/>
+                      <a:r>
+                        <a:rPr lang="en-US" sz="2000" dirty="0">
+                          <a:latin typeface="Tw Cen MT" panose="020B0602020104020603" pitchFamily="34" charset="77"/>
+                        </a:rPr>
+                        <a:t>An application prototype (or “minimum viable product”) capable of reading, analyzing &amp; visualizing real estate portfolio data and running portfolio calculations for selected portfolio actions and scenarios. </a:t>
+                      </a:r>
                     </a:p>
                   </a:txBody>
                   <a:tcPr anchor="ctr">
@@ -10799,7 +10792,7 @@
                   </a:ext>
                 </a:extLst>
               </a:tr>
-              <a:tr h="640080">
+              <a:tr h="484632">
                 <a:tc>
                   <a:txBody>
                     <a:bodyPr/>
@@ -10960,13 +10953,60 @@
                   </a:ext>
                 </a:extLst>
               </a:tr>
-              <a:tr h="2377440">
+              <a:tr h="3200400">
                 <a:tc>
                   <a:txBody>
                     <a:bodyPr/>
                     <a:lstStyle/>
                     <a:p>
-                      <a:endParaRPr lang="en-US" dirty="0"/>
+                      <a:pPr marL="342900" marR="0" lvl="0" indent="-342900" algn="l" defTabSz="914400" rtl="0" eaLnBrk="1" fontAlgn="auto" latinLnBrk="0" hangingPunct="1">
+                        <a:lnSpc>
+                          <a:spcPct val="100000"/>
+                        </a:lnSpc>
+                        <a:spcBef>
+                          <a:spcPts val="600"/>
+                        </a:spcBef>
+                        <a:spcAft>
+                          <a:spcPts val="0"/>
+                        </a:spcAft>
+                        <a:buClrTx/>
+                        <a:buSzTx/>
+                        <a:buFont typeface="Wingdings" pitchFamily="2" charset="2"/>
+                        <a:buChar char="§"/>
+                        <a:tabLst/>
+                        <a:defRPr/>
+                      </a:pPr>
+                      <a:r>
+                        <a:rPr lang="en-US" sz="2000" dirty="0">
+                          <a:latin typeface="Tw Cen MT" panose="020B0602020104020603" pitchFamily="34" charset="77"/>
+                        </a:rPr>
+                        <a:t>Create a technology-based real estate forecasting tool with the power to store client real estate data and automate calculations that support client real estate decisions.</a:t>
+                      </a:r>
+                    </a:p>
+                    <a:p>
+                      <a:pPr marL="342900" marR="0" lvl="0" indent="-342900" algn="l" defTabSz="914400" rtl="0" eaLnBrk="1" fontAlgn="auto" latinLnBrk="0" hangingPunct="1">
+                        <a:lnSpc>
+                          <a:spcPct val="100000"/>
+                        </a:lnSpc>
+                        <a:spcBef>
+                          <a:spcPts val="600"/>
+                        </a:spcBef>
+                        <a:spcAft>
+                          <a:spcPts val="0"/>
+                        </a:spcAft>
+                        <a:buClrTx/>
+                        <a:buSzTx/>
+                        <a:buFont typeface="Wingdings" pitchFamily="2" charset="2"/>
+                        <a:buChar char="§"/>
+                        <a:tabLst/>
+                        <a:defRPr/>
+                      </a:pPr>
+                      <a:r>
+                        <a:rPr lang="en-US" sz="2000" dirty="0">
+                          <a:latin typeface="Tw Cen MT" panose="020B0602020104020603" pitchFamily="34" charset="77"/>
+                        </a:rPr>
+                        <a:t>Build an end-to-end application that imports structured Excel-based data, stores data in a relational SQL database, runs portfolio calculations in Python, and visualizes &amp; reports outputs in Streamlit.</a:t>
+                      </a:r>
                     </a:p>
                   </a:txBody>
                   <a:tcPr anchor="ctr">
@@ -11015,7 +11055,94 @@
                     <a:bodyPr/>
                     <a:lstStyle/>
                     <a:p>
-                      <a:endParaRPr lang="en-US" dirty="0"/>
+                      <a:pPr marL="342900" marR="0" lvl="0" indent="-342900" algn="l" defTabSz="914400" rtl="0" eaLnBrk="1" fontAlgn="auto" latinLnBrk="0" hangingPunct="1">
+                        <a:lnSpc>
+                          <a:spcPct val="100000"/>
+                        </a:lnSpc>
+                        <a:spcBef>
+                          <a:spcPts val="600"/>
+                        </a:spcBef>
+                        <a:spcAft>
+                          <a:spcPts val="0"/>
+                        </a:spcAft>
+                        <a:buClrTx/>
+                        <a:buSzTx/>
+                        <a:buFont typeface="Wingdings" pitchFamily="2" charset="2"/>
+                        <a:buChar char="§"/>
+                        <a:tabLst/>
+                        <a:defRPr/>
+                      </a:pPr>
+                      <a:r>
+                        <a:rPr lang="en-US" sz="2000" kern="1200" dirty="0">
+                          <a:solidFill>
+                            <a:schemeClr val="dk1"/>
+                          </a:solidFill>
+                          <a:latin typeface="Tw Cen MT" panose="020B0602020104020603" pitchFamily="34" charset="77"/>
+                          <a:ea typeface="+mn-ea"/>
+                          <a:cs typeface="+mn-cs"/>
+                        </a:rPr>
+                        <a:t>Corporate entities are now making quicker, high-profile decisions around real estate due to the pandemic and accelerated adoption of Hybrid work.</a:t>
+                      </a:r>
+                    </a:p>
+                    <a:p>
+                      <a:pPr marL="342900" marR="0" lvl="0" indent="-342900" algn="l" defTabSz="914400" rtl="0" eaLnBrk="1" fontAlgn="auto" latinLnBrk="0" hangingPunct="1">
+                        <a:lnSpc>
+                          <a:spcPct val="100000"/>
+                        </a:lnSpc>
+                        <a:spcBef>
+                          <a:spcPts val="600"/>
+                        </a:spcBef>
+                        <a:spcAft>
+                          <a:spcPts val="0"/>
+                        </a:spcAft>
+                        <a:buClrTx/>
+                        <a:buSzTx/>
+                        <a:buFont typeface="Wingdings" pitchFamily="2" charset="2"/>
+                        <a:buChar char="§"/>
+                        <a:tabLst/>
+                        <a:defRPr/>
+                      </a:pPr>
+                      <a:r>
+                        <a:rPr lang="en-US" sz="2000" kern="1200" dirty="0">
+                          <a:solidFill>
+                            <a:schemeClr val="dk1"/>
+                          </a:solidFill>
+                          <a:latin typeface="Tw Cen MT" panose="020B0602020104020603" pitchFamily="34" charset="77"/>
+                          <a:ea typeface="+mn-ea"/>
+                          <a:cs typeface="+mn-cs"/>
+                        </a:rPr>
+                        <a:t>Currently there is a lack of technology to support corporate real estate organizations and professionals in making quick and effective real estate decisions.</a:t>
+                      </a:r>
+                    </a:p>
+                    <a:p>
+                      <a:pPr marL="342900" marR="0" lvl="0" indent="-342900" algn="l" defTabSz="914400" rtl="0" eaLnBrk="1" fontAlgn="auto" latinLnBrk="0" hangingPunct="1">
+                        <a:lnSpc>
+                          <a:spcPct val="100000"/>
+                        </a:lnSpc>
+                        <a:spcBef>
+                          <a:spcPts val="600"/>
+                        </a:spcBef>
+                        <a:spcAft>
+                          <a:spcPts val="0"/>
+                        </a:spcAft>
+                        <a:buClrTx/>
+                        <a:buSzTx/>
+                        <a:buFont typeface="Wingdings" pitchFamily="2" charset="2"/>
+                        <a:buChar char="§"/>
+                        <a:tabLst/>
+                        <a:defRPr/>
+                      </a:pPr>
+                      <a:r>
+                        <a:rPr lang="en-US" sz="2000" kern="1200" dirty="0">
+                          <a:solidFill>
+                            <a:schemeClr val="dk1"/>
+                          </a:solidFill>
+                          <a:latin typeface="Tw Cen MT" panose="020B0602020104020603" pitchFamily="34" charset="77"/>
+                          <a:ea typeface="+mn-ea"/>
+                          <a:cs typeface="+mn-cs"/>
+                        </a:rPr>
+                        <a:t>Organization are slow in speed to execute strategies due to data silos and inaccuracies and there is a lack of technology that supports automation.</a:t>
+                      </a:r>
                     </a:p>
                   </a:txBody>
                   <a:tcPr anchor="ctr">
@@ -11069,6 +11196,278 @@
           </a:graphicData>
         </a:graphic>
       </p:graphicFrame>
+      <p:sp>
+        <p:nvSpPr>
+          <p:cNvPr id="7" name="Slide Number Placeholder 5">
+            <a:extLst>
+              <a:ext uri="{FF2B5EF4-FFF2-40B4-BE49-F238E27FC236}">
+                <a16:creationId xmlns:a16="http://schemas.microsoft.com/office/drawing/2014/main" id="{29407850-A13B-E14D-9B0F-E925E0ECAABD}"/>
+              </a:ext>
+            </a:extLst>
+          </p:cNvPr>
+          <p:cNvSpPr txBox="1">
+            <a:spLocks/>
+          </p:cNvSpPr>
+          <p:nvPr/>
+        </p:nvSpPr>
+        <p:spPr>
+          <a:xfrm>
+            <a:off x="9459558" y="6556687"/>
+            <a:ext cx="2743200" cy="365125"/>
+          </a:xfrm>
+          <a:prstGeom prst="rect">
+            <a:avLst/>
+          </a:prstGeom>
+        </p:spPr>
+        <p:txBody>
+          <a:bodyPr vert="horz" lIns="91440" tIns="45720" rIns="91440" bIns="45720" rtlCol="0" anchor="ctr"/>
+          <a:lstStyle>
+            <a:defPPr>
+              <a:defRPr lang="en-US"/>
+            </a:defPPr>
+            <a:lvl1pPr marL="0" algn="r" defTabSz="914400" rtl="0" eaLnBrk="1" latinLnBrk="0" hangingPunct="1">
+              <a:defRPr sz="1200" kern="1200">
+                <a:solidFill>
+                  <a:schemeClr val="tx1">
+                    <a:tint val="75000"/>
+                  </a:schemeClr>
+                </a:solidFill>
+                <a:latin typeface="+mn-lt"/>
+                <a:ea typeface="+mn-ea"/>
+                <a:cs typeface="+mn-cs"/>
+              </a:defRPr>
+            </a:lvl1pPr>
+            <a:lvl2pPr marL="457200" algn="l" defTabSz="914400" rtl="0" eaLnBrk="1" latinLnBrk="0" hangingPunct="1">
+              <a:defRPr sz="1800" kern="1200">
+                <a:solidFill>
+                  <a:schemeClr val="tx1"/>
+                </a:solidFill>
+                <a:latin typeface="+mn-lt"/>
+                <a:ea typeface="+mn-ea"/>
+                <a:cs typeface="+mn-cs"/>
+              </a:defRPr>
+            </a:lvl2pPr>
+            <a:lvl3pPr marL="914400" algn="l" defTabSz="914400" rtl="0" eaLnBrk="1" latinLnBrk="0" hangingPunct="1">
+              <a:defRPr sz="1800" kern="1200">
+                <a:solidFill>
+                  <a:schemeClr val="tx1"/>
+                </a:solidFill>
+                <a:latin typeface="+mn-lt"/>
+                <a:ea typeface="+mn-ea"/>
+                <a:cs typeface="+mn-cs"/>
+              </a:defRPr>
+            </a:lvl3pPr>
+            <a:lvl4pPr marL="1371600" algn="l" defTabSz="914400" rtl="0" eaLnBrk="1" latinLnBrk="0" hangingPunct="1">
+              <a:defRPr sz="1800" kern="1200">
+                <a:solidFill>
+                  <a:schemeClr val="tx1"/>
+                </a:solidFill>
+                <a:latin typeface="+mn-lt"/>
+                <a:ea typeface="+mn-ea"/>
+                <a:cs typeface="+mn-cs"/>
+              </a:defRPr>
+            </a:lvl4pPr>
+            <a:lvl5pPr marL="1828800" algn="l" defTabSz="914400" rtl="0" eaLnBrk="1" latinLnBrk="0" hangingPunct="1">
+              <a:defRPr sz="1800" kern="1200">
+                <a:solidFill>
+                  <a:schemeClr val="tx1"/>
+                </a:solidFill>
+                <a:latin typeface="+mn-lt"/>
+                <a:ea typeface="+mn-ea"/>
+                <a:cs typeface="+mn-cs"/>
+              </a:defRPr>
+            </a:lvl5pPr>
+            <a:lvl6pPr marL="2286000" algn="l" defTabSz="914400" rtl="0" eaLnBrk="1" latinLnBrk="0" hangingPunct="1">
+              <a:defRPr sz="1800" kern="1200">
+                <a:solidFill>
+                  <a:schemeClr val="tx1"/>
+                </a:solidFill>
+                <a:latin typeface="+mn-lt"/>
+                <a:ea typeface="+mn-ea"/>
+                <a:cs typeface="+mn-cs"/>
+              </a:defRPr>
+            </a:lvl6pPr>
+            <a:lvl7pPr marL="2743200" algn="l" defTabSz="914400" rtl="0" eaLnBrk="1" latinLnBrk="0" hangingPunct="1">
+              <a:defRPr sz="1800" kern="1200">
+                <a:solidFill>
+                  <a:schemeClr val="tx1"/>
+                </a:solidFill>
+                <a:latin typeface="+mn-lt"/>
+                <a:ea typeface="+mn-ea"/>
+                <a:cs typeface="+mn-cs"/>
+              </a:defRPr>
+            </a:lvl7pPr>
+            <a:lvl8pPr marL="3200400" algn="l" defTabSz="914400" rtl="0" eaLnBrk="1" latinLnBrk="0" hangingPunct="1">
+              <a:defRPr sz="1800" kern="1200">
+                <a:solidFill>
+                  <a:schemeClr val="tx1"/>
+                </a:solidFill>
+                <a:latin typeface="+mn-lt"/>
+                <a:ea typeface="+mn-ea"/>
+                <a:cs typeface="+mn-cs"/>
+              </a:defRPr>
+            </a:lvl8pPr>
+            <a:lvl9pPr marL="3657600" algn="l" defTabSz="914400" rtl="0" eaLnBrk="1" latinLnBrk="0" hangingPunct="1">
+              <a:defRPr sz="1800" kern="1200">
+                <a:solidFill>
+                  <a:schemeClr val="tx1"/>
+                </a:solidFill>
+                <a:latin typeface="+mn-lt"/>
+                <a:ea typeface="+mn-ea"/>
+                <a:cs typeface="+mn-cs"/>
+              </a:defRPr>
+            </a:lvl9pPr>
+          </a:lstStyle>
+          <a:p>
+            <a:fld id="{FC5FADE3-B84E-4AF7-91CC-AB47E1A43619}" type="slidenum">
+              <a:rPr lang="en-US" smtClean="0">
+                <a:latin typeface="Tw Cen MT" panose="020B0602020104020603" pitchFamily="34" charset="77"/>
+              </a:rPr>
+              <a:pPr/>
+              <a:t>1</a:t>
+            </a:fld>
+            <a:endParaRPr lang="en-US" dirty="0">
+              <a:latin typeface="Tw Cen MT" panose="020B0602020104020603" pitchFamily="34" charset="77"/>
+            </a:endParaRPr>
+          </a:p>
+        </p:txBody>
+      </p:sp>
+      <p:sp>
+        <p:nvSpPr>
+          <p:cNvPr id="8" name="Slide Number Placeholder 5">
+            <a:extLst>
+              <a:ext uri="{FF2B5EF4-FFF2-40B4-BE49-F238E27FC236}">
+                <a16:creationId xmlns:a16="http://schemas.microsoft.com/office/drawing/2014/main" id="{5F6D70EE-B666-E543-89D6-35FED88F244A}"/>
+              </a:ext>
+            </a:extLst>
+          </p:cNvPr>
+          <p:cNvSpPr txBox="1">
+            <a:spLocks/>
+          </p:cNvSpPr>
+          <p:nvPr/>
+        </p:nvSpPr>
+        <p:spPr>
+          <a:xfrm>
+            <a:off x="9611958" y="6709087"/>
+            <a:ext cx="2743200" cy="365125"/>
+          </a:xfrm>
+          <a:prstGeom prst="rect">
+            <a:avLst/>
+          </a:prstGeom>
+        </p:spPr>
+        <p:txBody>
+          <a:bodyPr vert="horz" lIns="91440" tIns="45720" rIns="91440" bIns="45720" rtlCol="0" anchor="ctr"/>
+          <a:lstStyle>
+            <a:defPPr>
+              <a:defRPr lang="en-US"/>
+            </a:defPPr>
+            <a:lvl1pPr marL="0" algn="r" defTabSz="914400" rtl="0" eaLnBrk="1" latinLnBrk="0" hangingPunct="1">
+              <a:defRPr sz="1200" kern="1200">
+                <a:solidFill>
+                  <a:schemeClr val="tx1">
+                    <a:tint val="75000"/>
+                  </a:schemeClr>
+                </a:solidFill>
+                <a:latin typeface="+mn-lt"/>
+                <a:ea typeface="+mn-ea"/>
+                <a:cs typeface="+mn-cs"/>
+              </a:defRPr>
+            </a:lvl1pPr>
+            <a:lvl2pPr marL="457200" algn="l" defTabSz="914400" rtl="0" eaLnBrk="1" latinLnBrk="0" hangingPunct="1">
+              <a:defRPr sz="1800" kern="1200">
+                <a:solidFill>
+                  <a:schemeClr val="tx1"/>
+                </a:solidFill>
+                <a:latin typeface="+mn-lt"/>
+                <a:ea typeface="+mn-ea"/>
+                <a:cs typeface="+mn-cs"/>
+              </a:defRPr>
+            </a:lvl2pPr>
+            <a:lvl3pPr marL="914400" algn="l" defTabSz="914400" rtl="0" eaLnBrk="1" latinLnBrk="0" hangingPunct="1">
+              <a:defRPr sz="1800" kern="1200">
+                <a:solidFill>
+                  <a:schemeClr val="tx1"/>
+                </a:solidFill>
+                <a:latin typeface="+mn-lt"/>
+                <a:ea typeface="+mn-ea"/>
+                <a:cs typeface="+mn-cs"/>
+              </a:defRPr>
+            </a:lvl3pPr>
+            <a:lvl4pPr marL="1371600" algn="l" defTabSz="914400" rtl="0" eaLnBrk="1" latinLnBrk="0" hangingPunct="1">
+              <a:defRPr sz="1800" kern="1200">
+                <a:solidFill>
+                  <a:schemeClr val="tx1"/>
+                </a:solidFill>
+                <a:latin typeface="+mn-lt"/>
+                <a:ea typeface="+mn-ea"/>
+                <a:cs typeface="+mn-cs"/>
+              </a:defRPr>
+            </a:lvl4pPr>
+            <a:lvl5pPr marL="1828800" algn="l" defTabSz="914400" rtl="0" eaLnBrk="1" latinLnBrk="0" hangingPunct="1">
+              <a:defRPr sz="1800" kern="1200">
+                <a:solidFill>
+                  <a:schemeClr val="tx1"/>
+                </a:solidFill>
+                <a:latin typeface="+mn-lt"/>
+                <a:ea typeface="+mn-ea"/>
+                <a:cs typeface="+mn-cs"/>
+              </a:defRPr>
+            </a:lvl5pPr>
+            <a:lvl6pPr marL="2286000" algn="l" defTabSz="914400" rtl="0" eaLnBrk="1" latinLnBrk="0" hangingPunct="1">
+              <a:defRPr sz="1800" kern="1200">
+                <a:solidFill>
+                  <a:schemeClr val="tx1"/>
+                </a:solidFill>
+                <a:latin typeface="+mn-lt"/>
+                <a:ea typeface="+mn-ea"/>
+                <a:cs typeface="+mn-cs"/>
+              </a:defRPr>
+            </a:lvl6pPr>
+            <a:lvl7pPr marL="2743200" algn="l" defTabSz="914400" rtl="0" eaLnBrk="1" latinLnBrk="0" hangingPunct="1">
+              <a:defRPr sz="1800" kern="1200">
+                <a:solidFill>
+                  <a:schemeClr val="tx1"/>
+                </a:solidFill>
+                <a:latin typeface="+mn-lt"/>
+                <a:ea typeface="+mn-ea"/>
+                <a:cs typeface="+mn-cs"/>
+              </a:defRPr>
+            </a:lvl7pPr>
+            <a:lvl8pPr marL="3200400" algn="l" defTabSz="914400" rtl="0" eaLnBrk="1" latinLnBrk="0" hangingPunct="1">
+              <a:defRPr sz="1800" kern="1200">
+                <a:solidFill>
+                  <a:schemeClr val="tx1"/>
+                </a:solidFill>
+                <a:latin typeface="+mn-lt"/>
+                <a:ea typeface="+mn-ea"/>
+                <a:cs typeface="+mn-cs"/>
+              </a:defRPr>
+            </a:lvl8pPr>
+            <a:lvl9pPr marL="3657600" algn="l" defTabSz="914400" rtl="0" eaLnBrk="1" latinLnBrk="0" hangingPunct="1">
+              <a:defRPr sz="1800" kern="1200">
+                <a:solidFill>
+                  <a:schemeClr val="tx1"/>
+                </a:solidFill>
+                <a:latin typeface="+mn-lt"/>
+                <a:ea typeface="+mn-ea"/>
+                <a:cs typeface="+mn-cs"/>
+              </a:defRPr>
+            </a:lvl9pPr>
+          </a:lstStyle>
+          <a:p>
+            <a:fld id="{FC5FADE3-B84E-4AF7-91CC-AB47E1A43619}" type="slidenum">
+              <a:rPr lang="en-US" smtClean="0">
+                <a:latin typeface="Tw Cen MT" panose="020B0602020104020603" pitchFamily="34" charset="77"/>
+              </a:rPr>
+              <a:pPr/>
+              <a:t>1</a:t>
+            </a:fld>
+            <a:endParaRPr lang="en-US" dirty="0">
+              <a:latin typeface="Tw Cen MT" panose="020B0602020104020603" pitchFamily="34" charset="77"/>
+            </a:endParaRPr>
+          </a:p>
+        </p:txBody>
+      </p:sp>
     </p:spTree>
     <p:extLst>
       <p:ext uri="{BB962C8B-B14F-4D97-AF65-F5344CB8AC3E}">
@@ -11720,6 +12119,142 @@
           </a:graphicData>
         </a:graphic>
       </p:graphicFrame>
+      <p:sp>
+        <p:nvSpPr>
+          <p:cNvPr id="7" name="Slide Number Placeholder 5">
+            <a:extLst>
+              <a:ext uri="{FF2B5EF4-FFF2-40B4-BE49-F238E27FC236}">
+                <a16:creationId xmlns:a16="http://schemas.microsoft.com/office/drawing/2014/main" id="{61771FB7-F7BC-8A47-A152-31C57F1532AD}"/>
+              </a:ext>
+            </a:extLst>
+          </p:cNvPr>
+          <p:cNvSpPr txBox="1">
+            <a:spLocks/>
+          </p:cNvSpPr>
+          <p:nvPr/>
+        </p:nvSpPr>
+        <p:spPr>
+          <a:xfrm>
+            <a:off x="9459558" y="6556687"/>
+            <a:ext cx="2743200" cy="365125"/>
+          </a:xfrm>
+          <a:prstGeom prst="rect">
+            <a:avLst/>
+          </a:prstGeom>
+        </p:spPr>
+        <p:txBody>
+          <a:bodyPr vert="horz" lIns="91440" tIns="45720" rIns="91440" bIns="45720" rtlCol="0" anchor="ctr"/>
+          <a:lstStyle>
+            <a:defPPr>
+              <a:defRPr lang="en-US"/>
+            </a:defPPr>
+            <a:lvl1pPr marL="0" algn="r" defTabSz="914400" rtl="0" eaLnBrk="1" latinLnBrk="0" hangingPunct="1">
+              <a:defRPr sz="1200" kern="1200">
+                <a:solidFill>
+                  <a:schemeClr val="tx1">
+                    <a:tint val="75000"/>
+                  </a:schemeClr>
+                </a:solidFill>
+                <a:latin typeface="+mn-lt"/>
+                <a:ea typeface="+mn-ea"/>
+                <a:cs typeface="+mn-cs"/>
+              </a:defRPr>
+            </a:lvl1pPr>
+            <a:lvl2pPr marL="457200" algn="l" defTabSz="914400" rtl="0" eaLnBrk="1" latinLnBrk="0" hangingPunct="1">
+              <a:defRPr sz="1800" kern="1200">
+                <a:solidFill>
+                  <a:schemeClr val="tx1"/>
+                </a:solidFill>
+                <a:latin typeface="+mn-lt"/>
+                <a:ea typeface="+mn-ea"/>
+                <a:cs typeface="+mn-cs"/>
+              </a:defRPr>
+            </a:lvl2pPr>
+            <a:lvl3pPr marL="914400" algn="l" defTabSz="914400" rtl="0" eaLnBrk="1" latinLnBrk="0" hangingPunct="1">
+              <a:defRPr sz="1800" kern="1200">
+                <a:solidFill>
+                  <a:schemeClr val="tx1"/>
+                </a:solidFill>
+                <a:latin typeface="+mn-lt"/>
+                <a:ea typeface="+mn-ea"/>
+                <a:cs typeface="+mn-cs"/>
+              </a:defRPr>
+            </a:lvl3pPr>
+            <a:lvl4pPr marL="1371600" algn="l" defTabSz="914400" rtl="0" eaLnBrk="1" latinLnBrk="0" hangingPunct="1">
+              <a:defRPr sz="1800" kern="1200">
+                <a:solidFill>
+                  <a:schemeClr val="tx1"/>
+                </a:solidFill>
+                <a:latin typeface="+mn-lt"/>
+                <a:ea typeface="+mn-ea"/>
+                <a:cs typeface="+mn-cs"/>
+              </a:defRPr>
+            </a:lvl4pPr>
+            <a:lvl5pPr marL="1828800" algn="l" defTabSz="914400" rtl="0" eaLnBrk="1" latinLnBrk="0" hangingPunct="1">
+              <a:defRPr sz="1800" kern="1200">
+                <a:solidFill>
+                  <a:schemeClr val="tx1"/>
+                </a:solidFill>
+                <a:latin typeface="+mn-lt"/>
+                <a:ea typeface="+mn-ea"/>
+                <a:cs typeface="+mn-cs"/>
+              </a:defRPr>
+            </a:lvl5pPr>
+            <a:lvl6pPr marL="2286000" algn="l" defTabSz="914400" rtl="0" eaLnBrk="1" latinLnBrk="0" hangingPunct="1">
+              <a:defRPr sz="1800" kern="1200">
+                <a:solidFill>
+                  <a:schemeClr val="tx1"/>
+                </a:solidFill>
+                <a:latin typeface="+mn-lt"/>
+                <a:ea typeface="+mn-ea"/>
+                <a:cs typeface="+mn-cs"/>
+              </a:defRPr>
+            </a:lvl6pPr>
+            <a:lvl7pPr marL="2743200" algn="l" defTabSz="914400" rtl="0" eaLnBrk="1" latinLnBrk="0" hangingPunct="1">
+              <a:defRPr sz="1800" kern="1200">
+                <a:solidFill>
+                  <a:schemeClr val="tx1"/>
+                </a:solidFill>
+                <a:latin typeface="+mn-lt"/>
+                <a:ea typeface="+mn-ea"/>
+                <a:cs typeface="+mn-cs"/>
+              </a:defRPr>
+            </a:lvl7pPr>
+            <a:lvl8pPr marL="3200400" algn="l" defTabSz="914400" rtl="0" eaLnBrk="1" latinLnBrk="0" hangingPunct="1">
+              <a:defRPr sz="1800" kern="1200">
+                <a:solidFill>
+                  <a:schemeClr val="tx1"/>
+                </a:solidFill>
+                <a:latin typeface="+mn-lt"/>
+                <a:ea typeface="+mn-ea"/>
+                <a:cs typeface="+mn-cs"/>
+              </a:defRPr>
+            </a:lvl8pPr>
+            <a:lvl9pPr marL="3657600" algn="l" defTabSz="914400" rtl="0" eaLnBrk="1" latinLnBrk="0" hangingPunct="1">
+              <a:defRPr sz="1800" kern="1200">
+                <a:solidFill>
+                  <a:schemeClr val="tx1"/>
+                </a:solidFill>
+                <a:latin typeface="+mn-lt"/>
+                <a:ea typeface="+mn-ea"/>
+                <a:cs typeface="+mn-cs"/>
+              </a:defRPr>
+            </a:lvl9pPr>
+          </a:lstStyle>
+          <a:p>
+            <a:fld id="{FC5FADE3-B84E-4AF7-91CC-AB47E1A43619}" type="slidenum">
+              <a:rPr lang="en-US" smtClean="0">
+                <a:latin typeface="Tw Cen MT" panose="020B0602020104020603" pitchFamily="34" charset="77"/>
+              </a:rPr>
+              <a:pPr/>
+              <a:t>2</a:t>
+            </a:fld>
+            <a:endParaRPr lang="en-US" dirty="0">
+              <a:latin typeface="Tw Cen MT" panose="020B0602020104020603" pitchFamily="34" charset="77"/>
+            </a:endParaRPr>
+          </a:p>
+        </p:txBody>
+      </p:sp>
     </p:spTree>
     <p:extLst>
       <p:ext uri="{BB962C8B-B14F-4D97-AF65-F5344CB8AC3E}">
@@ -11920,6 +12455,142 @@
           </a:ln>
         </p:spPr>
       </p:pic>
+      <p:sp>
+        <p:nvSpPr>
+          <p:cNvPr id="6" name="Slide Number Placeholder 5">
+            <a:extLst>
+              <a:ext uri="{FF2B5EF4-FFF2-40B4-BE49-F238E27FC236}">
+                <a16:creationId xmlns:a16="http://schemas.microsoft.com/office/drawing/2014/main" id="{2B38800E-BE10-1943-A9BB-002FD4F16955}"/>
+              </a:ext>
+            </a:extLst>
+          </p:cNvPr>
+          <p:cNvSpPr txBox="1">
+            <a:spLocks/>
+          </p:cNvSpPr>
+          <p:nvPr/>
+        </p:nvSpPr>
+        <p:spPr>
+          <a:xfrm>
+            <a:off x="9459558" y="6556687"/>
+            <a:ext cx="2743200" cy="365125"/>
+          </a:xfrm>
+          <a:prstGeom prst="rect">
+            <a:avLst/>
+          </a:prstGeom>
+        </p:spPr>
+        <p:txBody>
+          <a:bodyPr vert="horz" lIns="91440" tIns="45720" rIns="91440" bIns="45720" rtlCol="0" anchor="ctr"/>
+          <a:lstStyle>
+            <a:defPPr>
+              <a:defRPr lang="en-US"/>
+            </a:defPPr>
+            <a:lvl1pPr marL="0" algn="r" defTabSz="914400" rtl="0" eaLnBrk="1" latinLnBrk="0" hangingPunct="1">
+              <a:defRPr sz="1200" kern="1200">
+                <a:solidFill>
+                  <a:schemeClr val="tx1">
+                    <a:tint val="75000"/>
+                  </a:schemeClr>
+                </a:solidFill>
+                <a:latin typeface="+mn-lt"/>
+                <a:ea typeface="+mn-ea"/>
+                <a:cs typeface="+mn-cs"/>
+              </a:defRPr>
+            </a:lvl1pPr>
+            <a:lvl2pPr marL="457200" algn="l" defTabSz="914400" rtl="0" eaLnBrk="1" latinLnBrk="0" hangingPunct="1">
+              <a:defRPr sz="1800" kern="1200">
+                <a:solidFill>
+                  <a:schemeClr val="tx1"/>
+                </a:solidFill>
+                <a:latin typeface="+mn-lt"/>
+                <a:ea typeface="+mn-ea"/>
+                <a:cs typeface="+mn-cs"/>
+              </a:defRPr>
+            </a:lvl2pPr>
+            <a:lvl3pPr marL="914400" algn="l" defTabSz="914400" rtl="0" eaLnBrk="1" latinLnBrk="0" hangingPunct="1">
+              <a:defRPr sz="1800" kern="1200">
+                <a:solidFill>
+                  <a:schemeClr val="tx1"/>
+                </a:solidFill>
+                <a:latin typeface="+mn-lt"/>
+                <a:ea typeface="+mn-ea"/>
+                <a:cs typeface="+mn-cs"/>
+              </a:defRPr>
+            </a:lvl3pPr>
+            <a:lvl4pPr marL="1371600" algn="l" defTabSz="914400" rtl="0" eaLnBrk="1" latinLnBrk="0" hangingPunct="1">
+              <a:defRPr sz="1800" kern="1200">
+                <a:solidFill>
+                  <a:schemeClr val="tx1"/>
+                </a:solidFill>
+                <a:latin typeface="+mn-lt"/>
+                <a:ea typeface="+mn-ea"/>
+                <a:cs typeface="+mn-cs"/>
+              </a:defRPr>
+            </a:lvl4pPr>
+            <a:lvl5pPr marL="1828800" algn="l" defTabSz="914400" rtl="0" eaLnBrk="1" latinLnBrk="0" hangingPunct="1">
+              <a:defRPr sz="1800" kern="1200">
+                <a:solidFill>
+                  <a:schemeClr val="tx1"/>
+                </a:solidFill>
+                <a:latin typeface="+mn-lt"/>
+                <a:ea typeface="+mn-ea"/>
+                <a:cs typeface="+mn-cs"/>
+              </a:defRPr>
+            </a:lvl5pPr>
+            <a:lvl6pPr marL="2286000" algn="l" defTabSz="914400" rtl="0" eaLnBrk="1" latinLnBrk="0" hangingPunct="1">
+              <a:defRPr sz="1800" kern="1200">
+                <a:solidFill>
+                  <a:schemeClr val="tx1"/>
+                </a:solidFill>
+                <a:latin typeface="+mn-lt"/>
+                <a:ea typeface="+mn-ea"/>
+                <a:cs typeface="+mn-cs"/>
+              </a:defRPr>
+            </a:lvl6pPr>
+            <a:lvl7pPr marL="2743200" algn="l" defTabSz="914400" rtl="0" eaLnBrk="1" latinLnBrk="0" hangingPunct="1">
+              <a:defRPr sz="1800" kern="1200">
+                <a:solidFill>
+                  <a:schemeClr val="tx1"/>
+                </a:solidFill>
+                <a:latin typeface="+mn-lt"/>
+                <a:ea typeface="+mn-ea"/>
+                <a:cs typeface="+mn-cs"/>
+              </a:defRPr>
+            </a:lvl7pPr>
+            <a:lvl8pPr marL="3200400" algn="l" defTabSz="914400" rtl="0" eaLnBrk="1" latinLnBrk="0" hangingPunct="1">
+              <a:defRPr sz="1800" kern="1200">
+                <a:solidFill>
+                  <a:schemeClr val="tx1"/>
+                </a:solidFill>
+                <a:latin typeface="+mn-lt"/>
+                <a:ea typeface="+mn-ea"/>
+                <a:cs typeface="+mn-cs"/>
+              </a:defRPr>
+            </a:lvl8pPr>
+            <a:lvl9pPr marL="3657600" algn="l" defTabSz="914400" rtl="0" eaLnBrk="1" latinLnBrk="0" hangingPunct="1">
+              <a:defRPr sz="1800" kern="1200">
+                <a:solidFill>
+                  <a:schemeClr val="tx1"/>
+                </a:solidFill>
+                <a:latin typeface="+mn-lt"/>
+                <a:ea typeface="+mn-ea"/>
+                <a:cs typeface="+mn-cs"/>
+              </a:defRPr>
+            </a:lvl9pPr>
+          </a:lstStyle>
+          <a:p>
+            <a:fld id="{FC5FADE3-B84E-4AF7-91CC-AB47E1A43619}" type="slidenum">
+              <a:rPr lang="en-US" smtClean="0">
+                <a:latin typeface="Tw Cen MT" panose="020B0602020104020603" pitchFamily="34" charset="77"/>
+              </a:rPr>
+              <a:pPr/>
+              <a:t>3</a:t>
+            </a:fld>
+            <a:endParaRPr lang="en-US" dirty="0">
+              <a:latin typeface="Tw Cen MT" panose="020B0602020104020603" pitchFamily="34" charset="77"/>
+            </a:endParaRPr>
+          </a:p>
+        </p:txBody>
+      </p:sp>
     </p:spTree>
     <p:extLst>
       <p:ext uri="{BB962C8B-B14F-4D97-AF65-F5344CB8AC3E}">
@@ -12133,14 +12804,14 @@
           <p:nvPr>
             <p:extLst>
               <p:ext uri="{D42A27DB-BD31-4B8C-83A1-F6EECF244321}">
-                <p14:modId xmlns:p14="http://schemas.microsoft.com/office/powerpoint/2010/main" val="2965335701"/>
+                <p14:modId xmlns:p14="http://schemas.microsoft.com/office/powerpoint/2010/main" val="4025253493"/>
               </p:ext>
             </p:extLst>
           </p:nvPr>
         </p:nvGraphicFramePr>
         <p:xfrm>
           <a:off x="231228" y="1463044"/>
-          <a:ext cx="3695313" cy="5169339"/>
+          <a:ext cx="3695313" cy="5123280"/>
         </p:xfrm>
         <a:graphic>
           <a:graphicData uri="http://schemas.openxmlformats.org/drawingml/2006/table">
@@ -12472,7 +13143,7 @@
                           </a:solidFill>
                           <a:latin typeface="Tw Cen MT" panose="020B0602020104020603" pitchFamily="34" charset="77"/>
                         </a:rPr>
-                        <a:t>Run calculation and view/download reports</a:t>
+                        <a:t>Run calculation and download reports</a:t>
                       </a:r>
                     </a:p>
                   </a:txBody>
@@ -12495,6 +13166,142 @@
           </a:graphicData>
         </a:graphic>
       </p:graphicFrame>
+      <p:sp>
+        <p:nvSpPr>
+          <p:cNvPr id="7" name="Slide Number Placeholder 5">
+            <a:extLst>
+              <a:ext uri="{FF2B5EF4-FFF2-40B4-BE49-F238E27FC236}">
+                <a16:creationId xmlns:a16="http://schemas.microsoft.com/office/drawing/2014/main" id="{2613827B-5769-6149-8F1C-9CE45942B286}"/>
+              </a:ext>
+            </a:extLst>
+          </p:cNvPr>
+          <p:cNvSpPr txBox="1">
+            <a:spLocks/>
+          </p:cNvSpPr>
+          <p:nvPr/>
+        </p:nvSpPr>
+        <p:spPr>
+          <a:xfrm>
+            <a:off x="9459558" y="6556687"/>
+            <a:ext cx="2743200" cy="365125"/>
+          </a:xfrm>
+          <a:prstGeom prst="rect">
+            <a:avLst/>
+          </a:prstGeom>
+        </p:spPr>
+        <p:txBody>
+          <a:bodyPr vert="horz" lIns="91440" tIns="45720" rIns="91440" bIns="45720" rtlCol="0" anchor="ctr"/>
+          <a:lstStyle>
+            <a:defPPr>
+              <a:defRPr lang="en-US"/>
+            </a:defPPr>
+            <a:lvl1pPr marL="0" algn="r" defTabSz="914400" rtl="0" eaLnBrk="1" latinLnBrk="0" hangingPunct="1">
+              <a:defRPr sz="1200" kern="1200">
+                <a:solidFill>
+                  <a:schemeClr val="tx1">
+                    <a:tint val="75000"/>
+                  </a:schemeClr>
+                </a:solidFill>
+                <a:latin typeface="+mn-lt"/>
+                <a:ea typeface="+mn-ea"/>
+                <a:cs typeface="+mn-cs"/>
+              </a:defRPr>
+            </a:lvl1pPr>
+            <a:lvl2pPr marL="457200" algn="l" defTabSz="914400" rtl="0" eaLnBrk="1" latinLnBrk="0" hangingPunct="1">
+              <a:defRPr sz="1800" kern="1200">
+                <a:solidFill>
+                  <a:schemeClr val="tx1"/>
+                </a:solidFill>
+                <a:latin typeface="+mn-lt"/>
+                <a:ea typeface="+mn-ea"/>
+                <a:cs typeface="+mn-cs"/>
+              </a:defRPr>
+            </a:lvl2pPr>
+            <a:lvl3pPr marL="914400" algn="l" defTabSz="914400" rtl="0" eaLnBrk="1" latinLnBrk="0" hangingPunct="1">
+              <a:defRPr sz="1800" kern="1200">
+                <a:solidFill>
+                  <a:schemeClr val="tx1"/>
+                </a:solidFill>
+                <a:latin typeface="+mn-lt"/>
+                <a:ea typeface="+mn-ea"/>
+                <a:cs typeface="+mn-cs"/>
+              </a:defRPr>
+            </a:lvl3pPr>
+            <a:lvl4pPr marL="1371600" algn="l" defTabSz="914400" rtl="0" eaLnBrk="1" latinLnBrk="0" hangingPunct="1">
+              <a:defRPr sz="1800" kern="1200">
+                <a:solidFill>
+                  <a:schemeClr val="tx1"/>
+                </a:solidFill>
+                <a:latin typeface="+mn-lt"/>
+                <a:ea typeface="+mn-ea"/>
+                <a:cs typeface="+mn-cs"/>
+              </a:defRPr>
+            </a:lvl4pPr>
+            <a:lvl5pPr marL="1828800" algn="l" defTabSz="914400" rtl="0" eaLnBrk="1" latinLnBrk="0" hangingPunct="1">
+              <a:defRPr sz="1800" kern="1200">
+                <a:solidFill>
+                  <a:schemeClr val="tx1"/>
+                </a:solidFill>
+                <a:latin typeface="+mn-lt"/>
+                <a:ea typeface="+mn-ea"/>
+                <a:cs typeface="+mn-cs"/>
+              </a:defRPr>
+            </a:lvl5pPr>
+            <a:lvl6pPr marL="2286000" algn="l" defTabSz="914400" rtl="0" eaLnBrk="1" latinLnBrk="0" hangingPunct="1">
+              <a:defRPr sz="1800" kern="1200">
+                <a:solidFill>
+                  <a:schemeClr val="tx1"/>
+                </a:solidFill>
+                <a:latin typeface="+mn-lt"/>
+                <a:ea typeface="+mn-ea"/>
+                <a:cs typeface="+mn-cs"/>
+              </a:defRPr>
+            </a:lvl6pPr>
+            <a:lvl7pPr marL="2743200" algn="l" defTabSz="914400" rtl="0" eaLnBrk="1" latinLnBrk="0" hangingPunct="1">
+              <a:defRPr sz="1800" kern="1200">
+                <a:solidFill>
+                  <a:schemeClr val="tx1"/>
+                </a:solidFill>
+                <a:latin typeface="+mn-lt"/>
+                <a:ea typeface="+mn-ea"/>
+                <a:cs typeface="+mn-cs"/>
+              </a:defRPr>
+            </a:lvl7pPr>
+            <a:lvl8pPr marL="3200400" algn="l" defTabSz="914400" rtl="0" eaLnBrk="1" latinLnBrk="0" hangingPunct="1">
+              <a:defRPr sz="1800" kern="1200">
+                <a:solidFill>
+                  <a:schemeClr val="tx1"/>
+                </a:solidFill>
+                <a:latin typeface="+mn-lt"/>
+                <a:ea typeface="+mn-ea"/>
+                <a:cs typeface="+mn-cs"/>
+              </a:defRPr>
+            </a:lvl8pPr>
+            <a:lvl9pPr marL="3657600" algn="l" defTabSz="914400" rtl="0" eaLnBrk="1" latinLnBrk="0" hangingPunct="1">
+              <a:defRPr sz="1800" kern="1200">
+                <a:solidFill>
+                  <a:schemeClr val="tx1"/>
+                </a:solidFill>
+                <a:latin typeface="+mn-lt"/>
+                <a:ea typeface="+mn-ea"/>
+                <a:cs typeface="+mn-cs"/>
+              </a:defRPr>
+            </a:lvl9pPr>
+          </a:lstStyle>
+          <a:p>
+            <a:fld id="{FC5FADE3-B84E-4AF7-91CC-AB47E1A43619}" type="slidenum">
+              <a:rPr lang="en-US" smtClean="0">
+                <a:latin typeface="Tw Cen MT" panose="020B0602020104020603" pitchFamily="34" charset="77"/>
+              </a:rPr>
+              <a:pPr/>
+              <a:t>4</a:t>
+            </a:fld>
+            <a:endParaRPr lang="en-US" dirty="0">
+              <a:latin typeface="Tw Cen MT" panose="020B0602020104020603" pitchFamily="34" charset="77"/>
+            </a:endParaRPr>
+          </a:p>
+        </p:txBody>
+      </p:sp>
     </p:spTree>
     <p:extLst>
       <p:ext uri="{BB962C8B-B14F-4D97-AF65-F5344CB8AC3E}">
@@ -12843,6 +13650,142 @@
               </a:rPr>
               <a:t>Select Market or Portfolio:</a:t>
             </a:r>
+          </a:p>
+        </p:txBody>
+      </p:sp>
+      <p:sp>
+        <p:nvSpPr>
+          <p:cNvPr id="9" name="Slide Number Placeholder 5">
+            <a:extLst>
+              <a:ext uri="{FF2B5EF4-FFF2-40B4-BE49-F238E27FC236}">
+                <a16:creationId xmlns:a16="http://schemas.microsoft.com/office/drawing/2014/main" id="{F1D8FFBE-A76F-AB40-A2FD-88913BB4E997}"/>
+              </a:ext>
+            </a:extLst>
+          </p:cNvPr>
+          <p:cNvSpPr txBox="1">
+            <a:spLocks/>
+          </p:cNvSpPr>
+          <p:nvPr/>
+        </p:nvSpPr>
+        <p:spPr>
+          <a:xfrm>
+            <a:off x="9459558" y="6556687"/>
+            <a:ext cx="2743200" cy="365125"/>
+          </a:xfrm>
+          <a:prstGeom prst="rect">
+            <a:avLst/>
+          </a:prstGeom>
+        </p:spPr>
+        <p:txBody>
+          <a:bodyPr vert="horz" lIns="91440" tIns="45720" rIns="91440" bIns="45720" rtlCol="0" anchor="ctr"/>
+          <a:lstStyle>
+            <a:defPPr>
+              <a:defRPr lang="en-US"/>
+            </a:defPPr>
+            <a:lvl1pPr marL="0" algn="r" defTabSz="914400" rtl="0" eaLnBrk="1" latinLnBrk="0" hangingPunct="1">
+              <a:defRPr sz="1200" kern="1200">
+                <a:solidFill>
+                  <a:schemeClr val="tx1">
+                    <a:tint val="75000"/>
+                  </a:schemeClr>
+                </a:solidFill>
+                <a:latin typeface="+mn-lt"/>
+                <a:ea typeface="+mn-ea"/>
+                <a:cs typeface="+mn-cs"/>
+              </a:defRPr>
+            </a:lvl1pPr>
+            <a:lvl2pPr marL="457200" algn="l" defTabSz="914400" rtl="0" eaLnBrk="1" latinLnBrk="0" hangingPunct="1">
+              <a:defRPr sz="1800" kern="1200">
+                <a:solidFill>
+                  <a:schemeClr val="tx1"/>
+                </a:solidFill>
+                <a:latin typeface="+mn-lt"/>
+                <a:ea typeface="+mn-ea"/>
+                <a:cs typeface="+mn-cs"/>
+              </a:defRPr>
+            </a:lvl2pPr>
+            <a:lvl3pPr marL="914400" algn="l" defTabSz="914400" rtl="0" eaLnBrk="1" latinLnBrk="0" hangingPunct="1">
+              <a:defRPr sz="1800" kern="1200">
+                <a:solidFill>
+                  <a:schemeClr val="tx1"/>
+                </a:solidFill>
+                <a:latin typeface="+mn-lt"/>
+                <a:ea typeface="+mn-ea"/>
+                <a:cs typeface="+mn-cs"/>
+              </a:defRPr>
+            </a:lvl3pPr>
+            <a:lvl4pPr marL="1371600" algn="l" defTabSz="914400" rtl="0" eaLnBrk="1" latinLnBrk="0" hangingPunct="1">
+              <a:defRPr sz="1800" kern="1200">
+                <a:solidFill>
+                  <a:schemeClr val="tx1"/>
+                </a:solidFill>
+                <a:latin typeface="+mn-lt"/>
+                <a:ea typeface="+mn-ea"/>
+                <a:cs typeface="+mn-cs"/>
+              </a:defRPr>
+            </a:lvl4pPr>
+            <a:lvl5pPr marL="1828800" algn="l" defTabSz="914400" rtl="0" eaLnBrk="1" latinLnBrk="0" hangingPunct="1">
+              <a:defRPr sz="1800" kern="1200">
+                <a:solidFill>
+                  <a:schemeClr val="tx1"/>
+                </a:solidFill>
+                <a:latin typeface="+mn-lt"/>
+                <a:ea typeface="+mn-ea"/>
+                <a:cs typeface="+mn-cs"/>
+              </a:defRPr>
+            </a:lvl5pPr>
+            <a:lvl6pPr marL="2286000" algn="l" defTabSz="914400" rtl="0" eaLnBrk="1" latinLnBrk="0" hangingPunct="1">
+              <a:defRPr sz="1800" kern="1200">
+                <a:solidFill>
+                  <a:schemeClr val="tx1"/>
+                </a:solidFill>
+                <a:latin typeface="+mn-lt"/>
+                <a:ea typeface="+mn-ea"/>
+                <a:cs typeface="+mn-cs"/>
+              </a:defRPr>
+            </a:lvl6pPr>
+            <a:lvl7pPr marL="2743200" algn="l" defTabSz="914400" rtl="0" eaLnBrk="1" latinLnBrk="0" hangingPunct="1">
+              <a:defRPr sz="1800" kern="1200">
+                <a:solidFill>
+                  <a:schemeClr val="tx1"/>
+                </a:solidFill>
+                <a:latin typeface="+mn-lt"/>
+                <a:ea typeface="+mn-ea"/>
+                <a:cs typeface="+mn-cs"/>
+              </a:defRPr>
+            </a:lvl7pPr>
+            <a:lvl8pPr marL="3200400" algn="l" defTabSz="914400" rtl="0" eaLnBrk="1" latinLnBrk="0" hangingPunct="1">
+              <a:defRPr sz="1800" kern="1200">
+                <a:solidFill>
+                  <a:schemeClr val="tx1"/>
+                </a:solidFill>
+                <a:latin typeface="+mn-lt"/>
+                <a:ea typeface="+mn-ea"/>
+                <a:cs typeface="+mn-cs"/>
+              </a:defRPr>
+            </a:lvl8pPr>
+            <a:lvl9pPr marL="3657600" algn="l" defTabSz="914400" rtl="0" eaLnBrk="1" latinLnBrk="0" hangingPunct="1">
+              <a:defRPr sz="1800" kern="1200">
+                <a:solidFill>
+                  <a:schemeClr val="tx1"/>
+                </a:solidFill>
+                <a:latin typeface="+mn-lt"/>
+                <a:ea typeface="+mn-ea"/>
+                <a:cs typeface="+mn-cs"/>
+              </a:defRPr>
+            </a:lvl9pPr>
+          </a:lstStyle>
+          <a:p>
+            <a:fld id="{FC5FADE3-B84E-4AF7-91CC-AB47E1A43619}" type="slidenum">
+              <a:rPr lang="en-US" smtClean="0">
+                <a:latin typeface="Tw Cen MT" panose="020B0602020104020603" pitchFamily="34" charset="77"/>
+              </a:rPr>
+              <a:pPr/>
+              <a:t>5</a:t>
+            </a:fld>
+            <a:endParaRPr lang="en-US" dirty="0">
+              <a:latin typeface="Tw Cen MT" panose="020B0602020104020603" pitchFamily="34" charset="77"/>
+            </a:endParaRPr>
           </a:p>
         </p:txBody>
       </p:sp>
@@ -13270,6 +14213,142 @@
           </a:p>
         </p:txBody>
       </p:sp>
+      <p:sp>
+        <p:nvSpPr>
+          <p:cNvPr id="11" name="Slide Number Placeholder 5">
+            <a:extLst>
+              <a:ext uri="{FF2B5EF4-FFF2-40B4-BE49-F238E27FC236}">
+                <a16:creationId xmlns:a16="http://schemas.microsoft.com/office/drawing/2014/main" id="{DDC0E853-6378-B546-8EA4-BFCEF6D27B7D}"/>
+              </a:ext>
+            </a:extLst>
+          </p:cNvPr>
+          <p:cNvSpPr txBox="1">
+            <a:spLocks/>
+          </p:cNvSpPr>
+          <p:nvPr/>
+        </p:nvSpPr>
+        <p:spPr>
+          <a:xfrm>
+            <a:off x="9459558" y="6556687"/>
+            <a:ext cx="2743200" cy="365125"/>
+          </a:xfrm>
+          <a:prstGeom prst="rect">
+            <a:avLst/>
+          </a:prstGeom>
+        </p:spPr>
+        <p:txBody>
+          <a:bodyPr vert="horz" lIns="91440" tIns="45720" rIns="91440" bIns="45720" rtlCol="0" anchor="ctr"/>
+          <a:lstStyle>
+            <a:defPPr>
+              <a:defRPr lang="en-US"/>
+            </a:defPPr>
+            <a:lvl1pPr marL="0" algn="r" defTabSz="914400" rtl="0" eaLnBrk="1" latinLnBrk="0" hangingPunct="1">
+              <a:defRPr sz="1200" kern="1200">
+                <a:solidFill>
+                  <a:schemeClr val="tx1">
+                    <a:tint val="75000"/>
+                  </a:schemeClr>
+                </a:solidFill>
+                <a:latin typeface="+mn-lt"/>
+                <a:ea typeface="+mn-ea"/>
+                <a:cs typeface="+mn-cs"/>
+              </a:defRPr>
+            </a:lvl1pPr>
+            <a:lvl2pPr marL="457200" algn="l" defTabSz="914400" rtl="0" eaLnBrk="1" latinLnBrk="0" hangingPunct="1">
+              <a:defRPr sz="1800" kern="1200">
+                <a:solidFill>
+                  <a:schemeClr val="tx1"/>
+                </a:solidFill>
+                <a:latin typeface="+mn-lt"/>
+                <a:ea typeface="+mn-ea"/>
+                <a:cs typeface="+mn-cs"/>
+              </a:defRPr>
+            </a:lvl2pPr>
+            <a:lvl3pPr marL="914400" algn="l" defTabSz="914400" rtl="0" eaLnBrk="1" latinLnBrk="0" hangingPunct="1">
+              <a:defRPr sz="1800" kern="1200">
+                <a:solidFill>
+                  <a:schemeClr val="tx1"/>
+                </a:solidFill>
+                <a:latin typeface="+mn-lt"/>
+                <a:ea typeface="+mn-ea"/>
+                <a:cs typeface="+mn-cs"/>
+              </a:defRPr>
+            </a:lvl3pPr>
+            <a:lvl4pPr marL="1371600" algn="l" defTabSz="914400" rtl="0" eaLnBrk="1" latinLnBrk="0" hangingPunct="1">
+              <a:defRPr sz="1800" kern="1200">
+                <a:solidFill>
+                  <a:schemeClr val="tx1"/>
+                </a:solidFill>
+                <a:latin typeface="+mn-lt"/>
+                <a:ea typeface="+mn-ea"/>
+                <a:cs typeface="+mn-cs"/>
+              </a:defRPr>
+            </a:lvl4pPr>
+            <a:lvl5pPr marL="1828800" algn="l" defTabSz="914400" rtl="0" eaLnBrk="1" latinLnBrk="0" hangingPunct="1">
+              <a:defRPr sz="1800" kern="1200">
+                <a:solidFill>
+                  <a:schemeClr val="tx1"/>
+                </a:solidFill>
+                <a:latin typeface="+mn-lt"/>
+                <a:ea typeface="+mn-ea"/>
+                <a:cs typeface="+mn-cs"/>
+              </a:defRPr>
+            </a:lvl5pPr>
+            <a:lvl6pPr marL="2286000" algn="l" defTabSz="914400" rtl="0" eaLnBrk="1" latinLnBrk="0" hangingPunct="1">
+              <a:defRPr sz="1800" kern="1200">
+                <a:solidFill>
+                  <a:schemeClr val="tx1"/>
+                </a:solidFill>
+                <a:latin typeface="+mn-lt"/>
+                <a:ea typeface="+mn-ea"/>
+                <a:cs typeface="+mn-cs"/>
+              </a:defRPr>
+            </a:lvl6pPr>
+            <a:lvl7pPr marL="2743200" algn="l" defTabSz="914400" rtl="0" eaLnBrk="1" latinLnBrk="0" hangingPunct="1">
+              <a:defRPr sz="1800" kern="1200">
+                <a:solidFill>
+                  <a:schemeClr val="tx1"/>
+                </a:solidFill>
+                <a:latin typeface="+mn-lt"/>
+                <a:ea typeface="+mn-ea"/>
+                <a:cs typeface="+mn-cs"/>
+              </a:defRPr>
+            </a:lvl7pPr>
+            <a:lvl8pPr marL="3200400" algn="l" defTabSz="914400" rtl="0" eaLnBrk="1" latinLnBrk="0" hangingPunct="1">
+              <a:defRPr sz="1800" kern="1200">
+                <a:solidFill>
+                  <a:schemeClr val="tx1"/>
+                </a:solidFill>
+                <a:latin typeface="+mn-lt"/>
+                <a:ea typeface="+mn-ea"/>
+                <a:cs typeface="+mn-cs"/>
+              </a:defRPr>
+            </a:lvl8pPr>
+            <a:lvl9pPr marL="3657600" algn="l" defTabSz="914400" rtl="0" eaLnBrk="1" latinLnBrk="0" hangingPunct="1">
+              <a:defRPr sz="1800" kern="1200">
+                <a:solidFill>
+                  <a:schemeClr val="tx1"/>
+                </a:solidFill>
+                <a:latin typeface="+mn-lt"/>
+                <a:ea typeface="+mn-ea"/>
+                <a:cs typeface="+mn-cs"/>
+              </a:defRPr>
+            </a:lvl9pPr>
+          </a:lstStyle>
+          <a:p>
+            <a:fld id="{FC5FADE3-B84E-4AF7-91CC-AB47E1A43619}" type="slidenum">
+              <a:rPr lang="en-US" smtClean="0">
+                <a:latin typeface="Tw Cen MT" panose="020B0602020104020603" pitchFamily="34" charset="77"/>
+              </a:rPr>
+              <a:pPr/>
+              <a:t>6</a:t>
+            </a:fld>
+            <a:endParaRPr lang="en-US" dirty="0">
+              <a:latin typeface="Tw Cen MT" panose="020B0602020104020603" pitchFamily="34" charset="77"/>
+            </a:endParaRPr>
+          </a:p>
+        </p:txBody>
+      </p:sp>
     </p:spTree>
     <p:extLst>
       <p:ext uri="{BB962C8B-B14F-4D97-AF65-F5344CB8AC3E}">
@@ -13347,7 +14426,7 @@
                 </a:solidFill>
                 <a:latin typeface="Tw Cen MT" panose="020B0602020104020603" pitchFamily="34" charset="77"/>
               </a:rPr>
-              <a:t>Next Steps</a:t>
+              <a:t>Next Steps (Beyond this Bootcamp)</a:t>
             </a:r>
           </a:p>
         </p:txBody>
@@ -13433,6 +14512,297 @@
           </a:prstGeom>
         </p:spPr>
       </p:pic>
+      <p:sp>
+        <p:nvSpPr>
+          <p:cNvPr id="2" name="TextBox 1">
+            <a:extLst>
+              <a:ext uri="{FF2B5EF4-FFF2-40B4-BE49-F238E27FC236}">
+                <a16:creationId xmlns:a16="http://schemas.microsoft.com/office/drawing/2014/main" id="{39146881-E34F-7D45-A9D5-24E7A2638F75}"/>
+              </a:ext>
+            </a:extLst>
+          </p:cNvPr>
+          <p:cNvSpPr txBox="1"/>
+          <p:nvPr/>
+        </p:nvSpPr>
+        <p:spPr>
+          <a:xfrm>
+            <a:off x="231228" y="1393902"/>
+            <a:ext cx="11589065" cy="4847481"/>
+          </a:xfrm>
+          <a:prstGeom prst="rect">
+            <a:avLst/>
+          </a:prstGeom>
+          <a:noFill/>
+        </p:spPr>
+        <p:txBody>
+          <a:bodyPr wrap="square" rtlCol="0">
+            <a:spAutoFit/>
+          </a:bodyPr>
+          <a:lstStyle/>
+          <a:p>
+            <a:pPr marL="514350" indent="-514350">
+              <a:spcBef>
+                <a:spcPts val="1800"/>
+              </a:spcBef>
+              <a:buFont typeface="+mj-lt"/>
+              <a:buAutoNum type="arabicPeriod"/>
+            </a:pPr>
+            <a:r>
+              <a:rPr lang="en-US" sz="2600" dirty="0">
+                <a:solidFill>
+                  <a:schemeClr val="tx1">
+                    <a:lumMod val="75000"/>
+                    <a:lumOff val="25000"/>
+                  </a:schemeClr>
+                </a:solidFill>
+                <a:latin typeface="Tw Cen MT" panose="020B0602020104020603" pitchFamily="34" charset="77"/>
+              </a:rPr>
+              <a:t>Continue to develop Python script adding detailed calculations &amp; functions for current portfolio analytics, site-level actions, and projected cash &amp; P&amp;L financials</a:t>
+            </a:r>
+          </a:p>
+          <a:p>
+            <a:pPr marL="514350" indent="-514350">
+              <a:spcBef>
+                <a:spcPts val="1800"/>
+              </a:spcBef>
+              <a:buFont typeface="+mj-lt"/>
+              <a:buAutoNum type="arabicPeriod"/>
+            </a:pPr>
+            <a:r>
+              <a:rPr lang="en-US" sz="2600" dirty="0">
+                <a:solidFill>
+                  <a:schemeClr val="tx1">
+                    <a:lumMod val="75000"/>
+                    <a:lumOff val="25000"/>
+                  </a:schemeClr>
+                </a:solidFill>
+                <a:latin typeface="Tw Cen MT" panose="020B0602020104020603" pitchFamily="34" charset="77"/>
+              </a:rPr>
+              <a:t>Re-direct scenario calculation data back to SQL database for storage &amp; reporting.</a:t>
+            </a:r>
+          </a:p>
+          <a:p>
+            <a:pPr marL="514350" indent="-514350">
+              <a:spcBef>
+                <a:spcPts val="1800"/>
+              </a:spcBef>
+              <a:buFont typeface="+mj-lt"/>
+              <a:buAutoNum type="arabicPeriod"/>
+            </a:pPr>
+            <a:r>
+              <a:rPr lang="en-US" sz="2600" dirty="0">
+                <a:solidFill>
+                  <a:schemeClr val="tx1">
+                    <a:lumMod val="75000"/>
+                    <a:lumOff val="25000"/>
+                  </a:schemeClr>
+                </a:solidFill>
+                <a:latin typeface="Tw Cen MT" panose="020B0602020104020603" pitchFamily="34" charset="77"/>
+              </a:rPr>
+              <a:t>Build-out additional visualization and reporting capabilities.</a:t>
+            </a:r>
+          </a:p>
+          <a:p>
+            <a:pPr marL="514350" indent="-514350">
+              <a:spcBef>
+                <a:spcPts val="1800"/>
+              </a:spcBef>
+              <a:buFont typeface="+mj-lt"/>
+              <a:buAutoNum type="arabicPeriod"/>
+            </a:pPr>
+            <a:r>
+              <a:rPr lang="en-US" sz="2600" dirty="0">
+                <a:solidFill>
+                  <a:schemeClr val="tx1">
+                    <a:lumMod val="75000"/>
+                    <a:lumOff val="25000"/>
+                  </a:schemeClr>
+                </a:solidFill>
+                <a:latin typeface="Tw Cen MT" panose="020B0602020104020603" pitchFamily="34" charset="77"/>
+              </a:rPr>
+              <a:t>Develop front-end user interface outside of Streamlit (i.e., Tableau, Power BI, Other Platforms).</a:t>
+            </a:r>
+          </a:p>
+          <a:p>
+            <a:pPr marL="514350" indent="-514350">
+              <a:spcBef>
+                <a:spcPts val="1800"/>
+              </a:spcBef>
+              <a:buFont typeface="+mj-lt"/>
+              <a:buAutoNum type="arabicPeriod"/>
+            </a:pPr>
+            <a:r>
+              <a:rPr lang="en-US" sz="2600" dirty="0">
+                <a:solidFill>
+                  <a:schemeClr val="tx1">
+                    <a:lumMod val="75000"/>
+                    <a:lumOff val="25000"/>
+                  </a:schemeClr>
+                </a:solidFill>
+                <a:latin typeface="Tw Cen MT" panose="020B0602020104020603" pitchFamily="34" charset="77"/>
+              </a:rPr>
+              <a:t>Other portfolio tracking capabilities (i.e., project execution, actual vs. forecasts, supply vs. demand forecasting)</a:t>
+            </a:r>
+          </a:p>
+          <a:p>
+            <a:pPr marL="514350" indent="-514350">
+              <a:spcBef>
+                <a:spcPts val="1800"/>
+              </a:spcBef>
+              <a:buFont typeface="+mj-lt"/>
+              <a:buAutoNum type="arabicPeriod"/>
+            </a:pPr>
+            <a:r>
+              <a:rPr lang="en-US" sz="2600" dirty="0">
+                <a:solidFill>
+                  <a:schemeClr val="tx1">
+                    <a:lumMod val="75000"/>
+                    <a:lumOff val="25000"/>
+                  </a:schemeClr>
+                </a:solidFill>
+                <a:latin typeface="Tw Cen MT" panose="020B0602020104020603" pitchFamily="34" charset="77"/>
+              </a:rPr>
+              <a:t>Cloud data storage, client licensing, account management tool, and more…</a:t>
+            </a:r>
+          </a:p>
+        </p:txBody>
+      </p:sp>
+      <p:sp>
+        <p:nvSpPr>
+          <p:cNvPr id="7" name="Slide Number Placeholder 5">
+            <a:extLst>
+              <a:ext uri="{FF2B5EF4-FFF2-40B4-BE49-F238E27FC236}">
+                <a16:creationId xmlns:a16="http://schemas.microsoft.com/office/drawing/2014/main" id="{4371F132-B3F8-F043-B4D8-360FE18FE19F}"/>
+              </a:ext>
+            </a:extLst>
+          </p:cNvPr>
+          <p:cNvSpPr txBox="1">
+            <a:spLocks/>
+          </p:cNvSpPr>
+          <p:nvPr/>
+        </p:nvSpPr>
+        <p:spPr>
+          <a:xfrm>
+            <a:off x="9459558" y="6556687"/>
+            <a:ext cx="2743200" cy="365125"/>
+          </a:xfrm>
+          <a:prstGeom prst="rect">
+            <a:avLst/>
+          </a:prstGeom>
+        </p:spPr>
+        <p:txBody>
+          <a:bodyPr vert="horz" lIns="91440" tIns="45720" rIns="91440" bIns="45720" rtlCol="0" anchor="ctr"/>
+          <a:lstStyle>
+            <a:defPPr>
+              <a:defRPr lang="en-US"/>
+            </a:defPPr>
+            <a:lvl1pPr marL="0" algn="r" defTabSz="914400" rtl="0" eaLnBrk="1" latinLnBrk="0" hangingPunct="1">
+              <a:defRPr sz="1200" kern="1200">
+                <a:solidFill>
+                  <a:schemeClr val="tx1">
+                    <a:tint val="75000"/>
+                  </a:schemeClr>
+                </a:solidFill>
+                <a:latin typeface="+mn-lt"/>
+                <a:ea typeface="+mn-ea"/>
+                <a:cs typeface="+mn-cs"/>
+              </a:defRPr>
+            </a:lvl1pPr>
+            <a:lvl2pPr marL="457200" algn="l" defTabSz="914400" rtl="0" eaLnBrk="1" latinLnBrk="0" hangingPunct="1">
+              <a:defRPr sz="1800" kern="1200">
+                <a:solidFill>
+                  <a:schemeClr val="tx1"/>
+                </a:solidFill>
+                <a:latin typeface="+mn-lt"/>
+                <a:ea typeface="+mn-ea"/>
+                <a:cs typeface="+mn-cs"/>
+              </a:defRPr>
+            </a:lvl2pPr>
+            <a:lvl3pPr marL="914400" algn="l" defTabSz="914400" rtl="0" eaLnBrk="1" latinLnBrk="0" hangingPunct="1">
+              <a:defRPr sz="1800" kern="1200">
+                <a:solidFill>
+                  <a:schemeClr val="tx1"/>
+                </a:solidFill>
+                <a:latin typeface="+mn-lt"/>
+                <a:ea typeface="+mn-ea"/>
+                <a:cs typeface="+mn-cs"/>
+              </a:defRPr>
+            </a:lvl3pPr>
+            <a:lvl4pPr marL="1371600" algn="l" defTabSz="914400" rtl="0" eaLnBrk="1" latinLnBrk="0" hangingPunct="1">
+              <a:defRPr sz="1800" kern="1200">
+                <a:solidFill>
+                  <a:schemeClr val="tx1"/>
+                </a:solidFill>
+                <a:latin typeface="+mn-lt"/>
+                <a:ea typeface="+mn-ea"/>
+                <a:cs typeface="+mn-cs"/>
+              </a:defRPr>
+            </a:lvl4pPr>
+            <a:lvl5pPr marL="1828800" algn="l" defTabSz="914400" rtl="0" eaLnBrk="1" latinLnBrk="0" hangingPunct="1">
+              <a:defRPr sz="1800" kern="1200">
+                <a:solidFill>
+                  <a:schemeClr val="tx1"/>
+                </a:solidFill>
+                <a:latin typeface="+mn-lt"/>
+                <a:ea typeface="+mn-ea"/>
+                <a:cs typeface="+mn-cs"/>
+              </a:defRPr>
+            </a:lvl5pPr>
+            <a:lvl6pPr marL="2286000" algn="l" defTabSz="914400" rtl="0" eaLnBrk="1" latinLnBrk="0" hangingPunct="1">
+              <a:defRPr sz="1800" kern="1200">
+                <a:solidFill>
+                  <a:schemeClr val="tx1"/>
+                </a:solidFill>
+                <a:latin typeface="+mn-lt"/>
+                <a:ea typeface="+mn-ea"/>
+                <a:cs typeface="+mn-cs"/>
+              </a:defRPr>
+            </a:lvl6pPr>
+            <a:lvl7pPr marL="2743200" algn="l" defTabSz="914400" rtl="0" eaLnBrk="1" latinLnBrk="0" hangingPunct="1">
+              <a:defRPr sz="1800" kern="1200">
+                <a:solidFill>
+                  <a:schemeClr val="tx1"/>
+                </a:solidFill>
+                <a:latin typeface="+mn-lt"/>
+                <a:ea typeface="+mn-ea"/>
+                <a:cs typeface="+mn-cs"/>
+              </a:defRPr>
+            </a:lvl7pPr>
+            <a:lvl8pPr marL="3200400" algn="l" defTabSz="914400" rtl="0" eaLnBrk="1" latinLnBrk="0" hangingPunct="1">
+              <a:defRPr sz="1800" kern="1200">
+                <a:solidFill>
+                  <a:schemeClr val="tx1"/>
+                </a:solidFill>
+                <a:latin typeface="+mn-lt"/>
+                <a:ea typeface="+mn-ea"/>
+                <a:cs typeface="+mn-cs"/>
+              </a:defRPr>
+            </a:lvl8pPr>
+            <a:lvl9pPr marL="3657600" algn="l" defTabSz="914400" rtl="0" eaLnBrk="1" latinLnBrk="0" hangingPunct="1">
+              <a:defRPr sz="1800" kern="1200">
+                <a:solidFill>
+                  <a:schemeClr val="tx1"/>
+                </a:solidFill>
+                <a:latin typeface="+mn-lt"/>
+                <a:ea typeface="+mn-ea"/>
+                <a:cs typeface="+mn-cs"/>
+              </a:defRPr>
+            </a:lvl9pPr>
+          </a:lstStyle>
+          <a:p>
+            <a:fld id="{FC5FADE3-B84E-4AF7-91CC-AB47E1A43619}" type="slidenum">
+              <a:rPr lang="en-US" smtClean="0">
+                <a:latin typeface="Tw Cen MT" panose="020B0602020104020603" pitchFamily="34" charset="77"/>
+              </a:rPr>
+              <a:pPr/>
+              <a:t>7</a:t>
+            </a:fld>
+            <a:endParaRPr lang="en-US" dirty="0">
+              <a:latin typeface="Tw Cen MT" panose="020B0602020104020603" pitchFamily="34" charset="77"/>
+            </a:endParaRPr>
+          </a:p>
+        </p:txBody>
+      </p:sp>
     </p:spTree>
     <p:extLst>
       <p:ext uri="{BB962C8B-B14F-4D97-AF65-F5344CB8AC3E}">

--- a/Real Estate Portfolio Tool.pptx
+++ b/Real Estate Portfolio Tool.pptx
@@ -3751,7 +3751,7 @@
           <a:p>
             <a:fld id="{E54A69E4-EFBB-4687-8058-A94EE1B5781B}" type="datetimeFigureOut">
               <a:rPr lang="en-US" smtClean="0"/>
-              <a:t>4/15/22</a:t>
+              <a:t>4/16/22</a:t>
             </a:fld>
             <a:endParaRPr lang="en-US" dirty="0"/>
           </a:p>
@@ -3928,7 +3928,7 @@
           <a:p>
             <a:fld id="{CDE546B2-EB9C-4E9C-8793-C25F32D58B9A}" type="datetimeFigureOut">
               <a:rPr lang="en-US" smtClean="0"/>
-              <a:t>4/15/22</a:t>
+              <a:t>4/16/22</a:t>
             </a:fld>
             <a:endParaRPr lang="en-US" dirty="0"/>
           </a:p>

--- a/Real Estate Portfolio Tool.pptx
+++ b/Real Estate Portfolio Tool.pptx
@@ -11674,7 +11674,7 @@
           <p:nvPr>
             <p:extLst>
               <p:ext uri="{D42A27DB-BD31-4B8C-83A1-F6EECF244321}">
-                <p14:modId xmlns:p14="http://schemas.microsoft.com/office/powerpoint/2010/main" val="2165350139"/>
+                <p14:modId xmlns:p14="http://schemas.microsoft.com/office/powerpoint/2010/main" val="86021440"/>
               </p:ext>
             </p:extLst>
           </p:nvPr>
@@ -11847,7 +11847,7 @@
                           </a:solidFill>
                           <a:latin typeface="Tw Cen MT" panose="020B0602020104020603" pitchFamily="34" charset="77"/>
                         </a:rPr>
-                        <a:t>Read Excel data into Python (parsing into individual CSVs). Execute schema and query SQL scripts and export data to PostgreSQL using SQLalchemy.</a:t>
+                        <a:t>Read Excel data into Python (into individual CSVs). Execute schema and query SQL scripts and export data to PostgreSQL using SQLalchemy.</a:t>
                       </a:r>
                     </a:p>
                     <a:p>
@@ -14527,7 +14527,7 @@
         <p:spPr>
           <a:xfrm>
             <a:off x="231228" y="1393902"/>
-            <a:ext cx="11589065" cy="4847481"/>
+            <a:ext cx="11589065" cy="5247590"/>
           </a:xfrm>
           <a:prstGeom prst="rect">
             <a:avLst/>
@@ -14662,7 +14662,7 @@
                 </a:solidFill>
                 <a:latin typeface="Tw Cen MT" panose="020B0602020104020603" pitchFamily="34" charset="77"/>
               </a:rPr>
-              <a:t>Cloud data storage, client licensing, account management tool, and more…</a:t>
+              <a:t>Other asset types calculations (manufacturing, data center), labor arbitrage, cloud data storage, client licensing &amp; data management, machine learning and more…</a:t>
             </a:r>
           </a:p>
         </p:txBody>
